--- a/presentations/2023-05 Tutorials/FHIR-Terminology-Advanced/FHIR-Terminology-Advanced-2023-05-11.pptx
+++ b/presentations/2023-05 Tutorials/FHIR-Terminology-Advanced/FHIR-Terminology-Advanced-2023-05-11.pptx
@@ -12504,7 +12504,7 @@
               <a:rPr lang="en-US" sz="1800" dirty="0">
                 <a:hlinkClick r:id="rId2"/>
               </a:rPr>
-              <a:t>https://github.com/FHIR/documents/blob/master/presentations/2023-05-Tutorials/FHIR-Terminology-Advanced/FHIR-Terminology-Advanced-2023-05-11.pptx</a:t>
+              <a:t>https://github.com/FHIR/documents/blob/master/presentations/2023-05 Tutorials/FHIR-Terminology-Advanced/FHIR-Terminology-Advanced-2023-05-11.pptx</a:t>
             </a:r>
             <a:endParaRPr lang="en-US" sz="1800" dirty="0"/>
           </a:p>
@@ -16119,7 +16119,7 @@
           <p:nvPr>
             <p:extLst>
               <p:ext uri="{D42A27DB-BD31-4B8C-83A1-F6EECF244321}">
-                <p14:modId xmlns:p14="http://schemas.microsoft.com/office/powerpoint/2010/main" val="1792223212"/>
+                <p14:modId xmlns:p14="http://schemas.microsoft.com/office/powerpoint/2010/main" val="2537947722"/>
               </p:ext>
             </p:extLst>
           </p:nvPr>
